--- a/Godot_Mobile.pptx
+++ b/Godot_Mobile.pptx
@@ -5925,13 +5925,13 @@
   <p:clrMapOvr>
     <a:masterClrMapping/>
   </p:clrMapOvr>
-  <mc:AlternateContent xmlns:mc="http://schemas.openxmlformats.org/markup-compatibility/2006">
-    <mc:Choice xmlns:p159="http://schemas.microsoft.com/office/powerpoint/2015/09/main" Requires="p159">
+  <mc:AlternateContent xmlns:mc="http://schemas.openxmlformats.org/markup-compatibility/2006" xmlns:p159="http://schemas.microsoft.com/office/powerpoint/2015/09/main">
+    <mc:Choice Requires="p159">
       <p:transition xmlns:p14="http://schemas.microsoft.com/office/powerpoint/2010/main" spd="slow" p14:dur="2000">
         <p159:morph option="byObject"/>
       </p:transition>
     </mc:Choice>
-    <mc:Fallback>
+    <mc:Fallback xmlns="">
       <p:transition spd="slow">
         <p:fade/>
       </p:transition>
@@ -6092,13 +6092,13 @@
   <p:clrMapOvr>
     <a:masterClrMapping/>
   </p:clrMapOvr>
-  <mc:AlternateContent xmlns:mc="http://schemas.openxmlformats.org/markup-compatibility/2006">
-    <mc:Choice xmlns:p159="http://schemas.microsoft.com/office/powerpoint/2015/09/main" Requires="p159">
+  <mc:AlternateContent xmlns:mc="http://schemas.openxmlformats.org/markup-compatibility/2006" xmlns:p159="http://schemas.microsoft.com/office/powerpoint/2015/09/main">
+    <mc:Choice Requires="p159">
       <p:transition xmlns:p14="http://schemas.microsoft.com/office/powerpoint/2010/main" spd="slow" p14:dur="2000">
         <p159:morph option="byObject"/>
       </p:transition>
     </mc:Choice>
-    <mc:Fallback>
+    <mc:Fallback xmlns="">
       <p:transition spd="slow">
         <p:fade/>
       </p:transition>
@@ -6274,13 +6274,13 @@
   <p:clrMapOvr>
     <a:masterClrMapping/>
   </p:clrMapOvr>
-  <mc:AlternateContent xmlns:mc="http://schemas.openxmlformats.org/markup-compatibility/2006">
-    <mc:Choice xmlns:p159="http://schemas.microsoft.com/office/powerpoint/2015/09/main" Requires="p159">
+  <mc:AlternateContent xmlns:mc="http://schemas.openxmlformats.org/markup-compatibility/2006" xmlns:p159="http://schemas.microsoft.com/office/powerpoint/2015/09/main">
+    <mc:Choice Requires="p159">
       <p:transition xmlns:p14="http://schemas.microsoft.com/office/powerpoint/2010/main" spd="slow" p14:dur="2000">
         <p159:morph option="byObject"/>
       </p:transition>
     </mc:Choice>
-    <mc:Fallback>
+    <mc:Fallback xmlns="">
       <p:transition spd="slow">
         <p:fade/>
       </p:transition>
@@ -6479,13 +6479,13 @@
   <p:clrMapOvr>
     <a:masterClrMapping/>
   </p:clrMapOvr>
-  <mc:AlternateContent xmlns:mc="http://schemas.openxmlformats.org/markup-compatibility/2006">
-    <mc:Choice xmlns:p159="http://schemas.microsoft.com/office/powerpoint/2015/09/main" Requires="p159">
+  <mc:AlternateContent xmlns:mc="http://schemas.openxmlformats.org/markup-compatibility/2006" xmlns:p159="http://schemas.microsoft.com/office/powerpoint/2015/09/main">
+    <mc:Choice Requires="p159">
       <p:transition xmlns:p14="http://schemas.microsoft.com/office/powerpoint/2010/main" spd="slow" p14:dur="2000">
         <p159:morph option="byObject"/>
       </p:transition>
     </mc:Choice>
-    <mc:Fallback>
+    <mc:Fallback xmlns="">
       <p:transition spd="slow">
         <p:fade/>
       </p:transition>
@@ -6646,13 +6646,13 @@
   <p:clrMapOvr>
     <a:masterClrMapping/>
   </p:clrMapOvr>
-  <mc:AlternateContent xmlns:mc="http://schemas.openxmlformats.org/markup-compatibility/2006">
-    <mc:Choice xmlns:p159="http://schemas.microsoft.com/office/powerpoint/2015/09/main" Requires="p159">
+  <mc:AlternateContent xmlns:mc="http://schemas.openxmlformats.org/markup-compatibility/2006" xmlns:p159="http://schemas.microsoft.com/office/powerpoint/2015/09/main">
+    <mc:Choice Requires="p159">
       <p:transition xmlns:p14="http://schemas.microsoft.com/office/powerpoint/2010/main" spd="slow" p14:dur="2000">
         <p159:morph option="byObject"/>
       </p:transition>
     </mc:Choice>
-    <mc:Fallback>
+    <mc:Fallback xmlns="">
       <p:transition spd="slow">
         <p:fade/>
       </p:transition>
@@ -6866,13 +6866,13 @@
   <p:clrMapOvr>
     <a:masterClrMapping/>
   </p:clrMapOvr>
-  <mc:AlternateContent xmlns:mc="http://schemas.openxmlformats.org/markup-compatibility/2006">
-    <mc:Choice xmlns:p159="http://schemas.microsoft.com/office/powerpoint/2015/09/main" Requires="p159">
+  <mc:AlternateContent xmlns:mc="http://schemas.openxmlformats.org/markup-compatibility/2006" xmlns:p159="http://schemas.microsoft.com/office/powerpoint/2015/09/main">
+    <mc:Choice Requires="p159">
       <p:transition xmlns:p14="http://schemas.microsoft.com/office/powerpoint/2010/main" spd="slow" p14:dur="2000">
         <p159:morph option="byObject"/>
       </p:transition>
     </mc:Choice>
-    <mc:Fallback>
+    <mc:Fallback xmlns="">
       <p:transition spd="slow">
         <p:fade/>
       </p:transition>
@@ -6993,6 +6993,19 @@
               <a:t>Pinch</a:t>
             </a:r>
           </a:p>
+          <a:p>
+            <a:pPr lvl="1"/>
+            <a:endParaRPr lang="en-US"/>
+          </a:p>
+          <a:p>
+            <a:r>
+              <a:rPr lang="en-US">
+                <a:hlinkClick r:id="rId2"/>
+              </a:rPr>
+              <a:t>Link catre GitHub</a:t>
+            </a:r>
+            <a:endParaRPr lang="en-US"/>
+          </a:p>
         </p:txBody>
       </p:sp>
       <p:pic>
@@ -7010,7 +7023,7 @@
           <p:nvPr/>
         </p:nvPicPr>
         <p:blipFill rotWithShape="1">
-          <a:blip r:embed="rId2">
+          <a:blip r:embed="rId3">
             <a:extLst>
               <a:ext uri="{28A0092B-C50C-407E-A947-70E740481C1C}">
                 <a14:useLocalDpi xmlns:a14="http://schemas.microsoft.com/office/drawing/2010/main" val="0"/>
@@ -7050,13 +7063,13 @@
   <p:clrMapOvr>
     <a:masterClrMapping/>
   </p:clrMapOvr>
-  <mc:AlternateContent xmlns:mc="http://schemas.openxmlformats.org/markup-compatibility/2006">
-    <mc:Choice xmlns:p159="http://schemas.microsoft.com/office/powerpoint/2015/09/main" Requires="p159">
+  <mc:AlternateContent xmlns:mc="http://schemas.openxmlformats.org/markup-compatibility/2006" xmlns:p159="http://schemas.microsoft.com/office/powerpoint/2015/09/main">
+    <mc:Choice Requires="p159">
       <p:transition xmlns:p14="http://schemas.microsoft.com/office/powerpoint/2010/main" spd="slow" p14:dur="2000">
         <p159:morph option="byObject"/>
       </p:transition>
     </mc:Choice>
-    <mc:Fallback>
+    <mc:Fallback xmlns="">
       <p:transition spd="slow">
         <p:fade/>
       </p:transition>
@@ -8370,13 +8383,13 @@
   <p:clrMapOvr>
     <a:masterClrMapping/>
   </p:clrMapOvr>
-  <mc:AlternateContent xmlns:mc="http://schemas.openxmlformats.org/markup-compatibility/2006">
-    <mc:Choice xmlns:p159="http://schemas.microsoft.com/office/powerpoint/2015/09/main" Requires="p159">
+  <mc:AlternateContent xmlns:mc="http://schemas.openxmlformats.org/markup-compatibility/2006" xmlns:p159="http://schemas.microsoft.com/office/powerpoint/2015/09/main">
+    <mc:Choice Requires="p159">
       <p:transition xmlns:p14="http://schemas.microsoft.com/office/powerpoint/2010/main" spd="slow" p14:dur="2000">
         <p159:morph option="byObject"/>
       </p:transition>
     </mc:Choice>
-    <mc:Fallback>
+    <mc:Fallback xmlns="">
       <p:transition spd="slow">
         <p:fade/>
       </p:transition>
